--- a/slide/themes/src/03_classic.pptx
+++ b/slide/themes/src/03_classic.pptx
@@ -11,7 +11,7 @@
   <p:notesSz cx="6858000" cy="9144000"/>
   <p:defaultTextStyle>
     <a:defPPr>
-      <a:defRPr lang="ru-RU"/>
+      <a:defRPr lang="en-US"/>
     </a:defPPr>
     <a:lvl1pPr marL="0" algn="l" defTabSz="914400" rtl="0" eaLnBrk="1" latinLnBrk="0" hangingPunct="1">
       <a:defRPr sz="1800" kern="1200">
@@ -156,7 +156,7 @@
       </p:grpSpPr>
       <p:sp>
         <p:nvSpPr>
-          <p:cNvPr id="8" name="Дата 4"/>
+          <p:cNvPr id="8" name="Date Placeholder 4"/>
           <p:cNvSpPr>
             <a:spLocks noGrp="1"/>
           </p:cNvSpPr>
@@ -186,17 +186,17 @@
           </a:lstStyle>
           <a:p>
             <a:fld id="{51E84241-D031-42DE-84E4-CC10C30232F4}" type="datetimeFigureOut">
-              <a:rPr lang="ru-RU" smtClean="0"/>
+              <a:rPr lang="en-US" smtClean="0"/>
               <a:pPr/>
               <a:t>22.10.2013</a:t>
             </a:fld>
-            <a:endParaRPr lang="ru-RU" dirty="0"/>
-          </a:p>
-        </p:txBody>
-      </p:sp>
-      <p:sp>
-        <p:nvSpPr>
-          <p:cNvPr id="9" name="Нижний колонтитул 5"/>
+            <a:endParaRPr lang="en-US" dirty="0"/>
+          </a:p>
+        </p:txBody>
+      </p:sp>
+      <p:sp>
+        <p:nvSpPr>
+          <p:cNvPr id="9" name="Footer Placeholder 5"/>
           <p:cNvSpPr>
             <a:spLocks noGrp="1"/>
           </p:cNvSpPr>
@@ -225,13 +225,13 @@
             </a:lvl1pPr>
           </a:lstStyle>
           <a:p>
-            <a:endParaRPr lang="ru-RU"/>
-          </a:p>
-        </p:txBody>
-      </p:sp>
-      <p:sp>
-        <p:nvSpPr>
-          <p:cNvPr id="10" name="Номер слайда 6"/>
+            <a:endParaRPr lang="en-US"/>
+          </a:p>
+        </p:txBody>
+      </p:sp>
+      <p:sp>
+        <p:nvSpPr>
+          <p:cNvPr id="10" name="Slide Number Placeholder 6"/>
           <p:cNvSpPr>
             <a:spLocks noGrp="1"/>
           </p:cNvSpPr>
@@ -261,17 +261,17 @@
           </a:lstStyle>
           <a:p>
             <a:fld id="{6B5AA3AA-5EA9-4976-BF6C-9891F6110747}" type="slidenum">
-              <a:rPr lang="ru-RU" smtClean="0"/>
+              <a:rPr lang="en-US" smtClean="0"/>
               <a:pPr/>
               <a:t>‹#›</a:t>
             </a:fld>
-            <a:endParaRPr lang="ru-RU"/>
+            <a:endParaRPr lang="en-US"/>
           </a:p>
         </p:txBody>
       </p:sp>
       <p:pic>
         <p:nvPicPr>
-          <p:cNvPr id="19" name="Рисунок 18"/>
+          <p:cNvPr id="19" name="Picture Placeholder 18"/>
           <p:cNvPicPr>
             <a:picLocks noChangeAspect="1"/>
           </p:cNvPicPr>
@@ -412,8 +412,8 @@
           </a:lstStyle>
           <a:p>
             <a:r>
-              <a:rPr lang="ru-RU" dirty="0" smtClean="0"/>
-              <a:t>Образец подзаголовка</a:t>
+              <a:rPr lang="en-US" dirty="0" smtClean="0"/>
+              <a:t>Click to edit Master subtitle style</a:t>
             </a:r>
             <a:endParaRPr lang="en-US" dirty="0"/>
           </a:p>
@@ -421,7 +421,7 @@
       </p:sp>
       <p:grpSp>
         <p:nvGrpSpPr>
-          <p:cNvPr id="12" name="Группа 11"/>
+          <p:cNvPr id="12" name="Group 11"/>
           <p:cNvGrpSpPr/>
           <p:nvPr userDrawn="1"/>
         </p:nvGrpSpPr>
@@ -438,7 +438,7 @@
         </p:grpSpPr>
         <p:sp>
           <p:nvSpPr>
-            <p:cNvPr id="5" name="Полилиния 4"/>
+            <p:cNvPr id="5" name="Polyline 4"/>
             <p:cNvSpPr/>
             <p:nvPr userDrawn="1"/>
           </p:nvSpPr>
@@ -534,7 +534,7 @@
         </p:sp>
         <p:sp>
           <p:nvSpPr>
-            <p:cNvPr id="10" name="Полилиния 9"/>
+            <p:cNvPr id="10" name="Polyline 9"/>
             <p:cNvSpPr/>
             <p:nvPr userDrawn="1"/>
           </p:nvSpPr>
@@ -670,7 +670,7 @@
         </p:sp>
         <p:grpSp>
           <p:nvGrpSpPr>
-            <p:cNvPr id="11" name="Группа 10"/>
+            <p:cNvPr id="11" name="Group 10"/>
             <p:cNvGrpSpPr/>
             <p:nvPr userDrawn="1"/>
           </p:nvGrpSpPr>
@@ -685,7 +685,7 @@
           </p:grpSpPr>
           <p:sp>
             <p:nvSpPr>
-              <p:cNvPr id="15" name="Полилиния 14"/>
+              <p:cNvPr id="15" name="Polyline 14"/>
               <p:cNvSpPr/>
               <p:nvPr userDrawn="1"/>
             </p:nvSpPr>
@@ -781,7 +781,7 @@
           </p:sp>
           <p:sp>
             <p:nvSpPr>
-              <p:cNvPr id="17" name="Полилиния 16"/>
+              <p:cNvPr id="17" name="Polyline 16"/>
               <p:cNvSpPr/>
               <p:nvPr userDrawn="1"/>
             </p:nvSpPr>
@@ -899,7 +899,7 @@
       </p:grpSp>
       <p:sp>
         <p:nvSpPr>
-          <p:cNvPr id="13" name="Заголовок 12"/>
+          <p:cNvPr id="13" name="Title 12"/>
           <p:cNvSpPr>
             <a:spLocks noGrp="1"/>
           </p:cNvSpPr>
@@ -918,10 +918,10 @@
           <a:lstStyle/>
           <a:p>
             <a:r>
-              <a:rPr lang="ru-RU" dirty="0" smtClean="0"/>
-              <a:t>Образец заголовка</a:t>
-            </a:r>
-            <a:endParaRPr lang="ru-RU" dirty="0"/>
+              <a:rPr lang="en-US" dirty="0" smtClean="0"/>
+              <a:t>Click to edit Master title style</a:t>
+            </a:r>
+            <a:endParaRPr lang="en-US" dirty="0"/>
           </a:p>
         </p:txBody>
       </p:sp>
@@ -959,7 +959,7 @@
       </p:grpSpPr>
       <p:sp>
         <p:nvSpPr>
-          <p:cNvPr id="2" name="Заголовок 1"/>
+          <p:cNvPr id="2" name="Title 1"/>
           <p:cNvSpPr>
             <a:spLocks noGrp="1"/>
           </p:cNvSpPr>
@@ -973,16 +973,16 @@
           <a:lstStyle/>
           <a:p>
             <a:r>
-              <a:rPr lang="ru-RU" dirty="0" smtClean="0"/>
-              <a:t>Образец заголовка</a:t>
-            </a:r>
-            <a:endParaRPr lang="ru-RU" dirty="0"/>
-          </a:p>
-        </p:txBody>
-      </p:sp>
-      <p:sp>
-        <p:nvSpPr>
-          <p:cNvPr id="3" name="Вертикальный текст 2"/>
+              <a:rPr lang="en-US" dirty="0" smtClean="0"/>
+              <a:t>Click to edit Master title style</a:t>
+            </a:r>
+            <a:endParaRPr lang="en-US" dirty="0"/>
+          </a:p>
+        </p:txBody>
+      </p:sp>
+      <p:sp>
+        <p:nvSpPr>
+          <p:cNvPr id="3" name="Vertical Text Placeholder 2"/>
           <p:cNvSpPr>
             <a:spLocks noGrp="1"/>
           </p:cNvSpPr>
@@ -997,44 +997,44 @@
           <a:p>
             <a:pPr lvl="0"/>
             <a:r>
-              <a:rPr lang="ru-RU" smtClean="0"/>
-              <a:t>Образец текста</a:t>
+              <a:rPr lang="en-US" smtClean="0"/>
+              <a:t>Click to edit Master text styles</a:t>
             </a:r>
           </a:p>
           <a:p>
             <a:pPr lvl="1"/>
             <a:r>
-              <a:rPr lang="ru-RU" smtClean="0"/>
-              <a:t>Второй уровень</a:t>
+              <a:rPr lang="en-US" smtClean="0"/>
+              <a:t>Second level</a:t>
             </a:r>
           </a:p>
           <a:p>
             <a:pPr lvl="2"/>
             <a:r>
-              <a:rPr lang="ru-RU" smtClean="0"/>
-              <a:t>Третий уровень</a:t>
+              <a:rPr lang="en-US" smtClean="0"/>
+              <a:t>Third level</a:t>
             </a:r>
           </a:p>
           <a:p>
             <a:pPr lvl="3"/>
             <a:r>
-              <a:rPr lang="ru-RU" smtClean="0"/>
-              <a:t>Четвертый уровень</a:t>
+              <a:rPr lang="en-US" smtClean="0"/>
+              <a:t>Fourth level</a:t>
             </a:r>
           </a:p>
           <a:p>
             <a:pPr lvl="4"/>
             <a:r>
-              <a:rPr lang="ru-RU" smtClean="0"/>
-              <a:t>Пятый уровень</a:t>
-            </a:r>
-            <a:endParaRPr lang="ru-RU"/>
-          </a:p>
-        </p:txBody>
-      </p:sp>
-      <p:sp>
-        <p:nvSpPr>
-          <p:cNvPr id="7" name="Дата 4"/>
+              <a:rPr lang="en-US" smtClean="0"/>
+              <a:t>Fifth level</a:t>
+            </a:r>
+            <a:endParaRPr lang="en-US"/>
+          </a:p>
+        </p:txBody>
+      </p:sp>
+      <p:sp>
+        <p:nvSpPr>
+          <p:cNvPr id="7" name="Date Placeholder 4"/>
           <p:cNvSpPr>
             <a:spLocks noGrp="1"/>
           </p:cNvSpPr>
@@ -1064,17 +1064,17 @@
           </a:lstStyle>
           <a:p>
             <a:fld id="{51E84241-D031-42DE-84E4-CC10C30232F4}" type="datetimeFigureOut">
-              <a:rPr lang="ru-RU" smtClean="0"/>
+              <a:rPr lang="en-US" smtClean="0"/>
               <a:pPr/>
               <a:t>22.10.2013</a:t>
             </a:fld>
-            <a:endParaRPr lang="ru-RU" dirty="0"/>
-          </a:p>
-        </p:txBody>
-      </p:sp>
-      <p:sp>
-        <p:nvSpPr>
-          <p:cNvPr id="8" name="Нижний колонтитул 5"/>
+            <a:endParaRPr lang="en-US" dirty="0"/>
+          </a:p>
+        </p:txBody>
+      </p:sp>
+      <p:sp>
+        <p:nvSpPr>
+          <p:cNvPr id="8" name="Footer Placeholder 5"/>
           <p:cNvSpPr>
             <a:spLocks noGrp="1"/>
           </p:cNvSpPr>
@@ -1103,13 +1103,13 @@
             </a:lvl1pPr>
           </a:lstStyle>
           <a:p>
-            <a:endParaRPr lang="ru-RU"/>
-          </a:p>
-        </p:txBody>
-      </p:sp>
-      <p:sp>
-        <p:nvSpPr>
-          <p:cNvPr id="9" name="Номер слайда 6"/>
+            <a:endParaRPr lang="en-US"/>
+          </a:p>
+        </p:txBody>
+      </p:sp>
+      <p:sp>
+        <p:nvSpPr>
+          <p:cNvPr id="9" name="Slide Number Placeholder 6"/>
           <p:cNvSpPr>
             <a:spLocks noGrp="1"/>
           </p:cNvSpPr>
@@ -1139,11 +1139,11 @@
           </a:lstStyle>
           <a:p>
             <a:fld id="{6B5AA3AA-5EA9-4976-BF6C-9891F6110747}" type="slidenum">
-              <a:rPr lang="ru-RU" smtClean="0"/>
+              <a:rPr lang="en-US" smtClean="0"/>
               <a:pPr/>
               <a:t>‹#›</a:t>
             </a:fld>
-            <a:endParaRPr lang="ru-RU"/>
+            <a:endParaRPr lang="en-US"/>
           </a:p>
         </p:txBody>
       </p:sp>
@@ -1186,7 +1186,7 @@
       </p:grpSpPr>
       <p:sp>
         <p:nvSpPr>
-          <p:cNvPr id="2" name="Вертикальный заголовок 1"/>
+          <p:cNvPr id="2" name="Vertical Title 1"/>
           <p:cNvSpPr>
             <a:spLocks noGrp="1"/>
           </p:cNvSpPr>
@@ -1205,16 +1205,16 @@
           <a:lstStyle/>
           <a:p>
             <a:r>
-              <a:rPr lang="ru-RU" smtClean="0"/>
-              <a:t>Образец заголовка</a:t>
-            </a:r>
-            <a:endParaRPr lang="ru-RU"/>
-          </a:p>
-        </p:txBody>
-      </p:sp>
-      <p:sp>
-        <p:nvSpPr>
-          <p:cNvPr id="3" name="Вертикальный текст 2"/>
+              <a:rPr lang="en-US" smtClean="0"/>
+              <a:t>Click to edit Master title style</a:t>
+            </a:r>
+            <a:endParaRPr lang="en-US"/>
+          </a:p>
+        </p:txBody>
+      </p:sp>
+      <p:sp>
+        <p:nvSpPr>
+          <p:cNvPr id="3" name="Vertical Text Placeholder 2"/>
           <p:cNvSpPr>
             <a:spLocks noGrp="1"/>
           </p:cNvSpPr>
@@ -1234,44 +1234,44 @@
           <a:p>
             <a:pPr lvl="0"/>
             <a:r>
-              <a:rPr lang="ru-RU" smtClean="0"/>
-              <a:t>Образец текста</a:t>
+              <a:rPr lang="en-US" smtClean="0"/>
+              <a:t>Click to edit Master text styles</a:t>
             </a:r>
           </a:p>
           <a:p>
             <a:pPr lvl="1"/>
             <a:r>
-              <a:rPr lang="ru-RU" smtClean="0"/>
-              <a:t>Второй уровень</a:t>
+              <a:rPr lang="en-US" smtClean="0"/>
+              <a:t>Second level</a:t>
             </a:r>
           </a:p>
           <a:p>
             <a:pPr lvl="2"/>
             <a:r>
-              <a:rPr lang="ru-RU" smtClean="0"/>
-              <a:t>Третий уровень</a:t>
+              <a:rPr lang="en-US" smtClean="0"/>
+              <a:t>Third level</a:t>
             </a:r>
           </a:p>
           <a:p>
             <a:pPr lvl="3"/>
             <a:r>
-              <a:rPr lang="ru-RU" smtClean="0"/>
-              <a:t>Четвертый уровень</a:t>
+              <a:rPr lang="en-US" smtClean="0"/>
+              <a:t>Fourth level</a:t>
             </a:r>
           </a:p>
           <a:p>
             <a:pPr lvl="4"/>
             <a:r>
-              <a:rPr lang="ru-RU" smtClean="0"/>
-              <a:t>Пятый уровень</a:t>
-            </a:r>
-            <a:endParaRPr lang="ru-RU"/>
-          </a:p>
-        </p:txBody>
-      </p:sp>
-      <p:sp>
-        <p:nvSpPr>
-          <p:cNvPr id="4" name="Дата 3"/>
+              <a:rPr lang="en-US" smtClean="0"/>
+              <a:t>Fifth level</a:t>
+            </a:r>
+            <a:endParaRPr lang="en-US"/>
+          </a:p>
+        </p:txBody>
+      </p:sp>
+      <p:sp>
+        <p:nvSpPr>
+          <p:cNvPr id="4" name="Date Placeholder 3"/>
           <p:cNvSpPr>
             <a:spLocks noGrp="1"/>
           </p:cNvSpPr>
@@ -1285,16 +1285,16 @@
           <a:lstStyle/>
           <a:p>
             <a:fld id="{51E84241-D031-42DE-84E4-CC10C30232F4}" type="datetimeFigureOut">
-              <a:rPr lang="ru-RU" smtClean="0"/>
+              <a:rPr lang="en-US" smtClean="0"/>
               <a:t>22.10.2013</a:t>
             </a:fld>
-            <a:endParaRPr lang="ru-RU"/>
-          </a:p>
-        </p:txBody>
-      </p:sp>
-      <p:sp>
-        <p:nvSpPr>
-          <p:cNvPr id="5" name="Нижний колонтитул 4"/>
+            <a:endParaRPr lang="en-US"/>
+          </a:p>
+        </p:txBody>
+      </p:sp>
+      <p:sp>
+        <p:nvSpPr>
+          <p:cNvPr id="5" name="Footer Placeholder 4"/>
           <p:cNvSpPr>
             <a:spLocks noGrp="1"/>
           </p:cNvSpPr>
@@ -1307,13 +1307,13 @@
           <a:bodyPr/>
           <a:lstStyle/>
           <a:p>
-            <a:endParaRPr lang="ru-RU"/>
-          </a:p>
-        </p:txBody>
-      </p:sp>
-      <p:sp>
-        <p:nvSpPr>
-          <p:cNvPr id="6" name="Номер слайда 5"/>
+            <a:endParaRPr lang="en-US"/>
+          </a:p>
+        </p:txBody>
+      </p:sp>
+      <p:sp>
+        <p:nvSpPr>
+          <p:cNvPr id="6" name="Slide Number Placeholder 5"/>
           <p:cNvSpPr>
             <a:spLocks noGrp="1"/>
           </p:cNvSpPr>
@@ -1327,10 +1327,10 @@
           <a:lstStyle/>
           <a:p>
             <a:fld id="{6B5AA3AA-5EA9-4976-BF6C-9891F6110747}" type="slidenum">
-              <a:rPr lang="ru-RU" smtClean="0"/>
+              <a:rPr lang="en-US" smtClean="0"/>
               <a:t>‹#›</a:t>
             </a:fld>
-            <a:endParaRPr lang="ru-RU"/>
+            <a:endParaRPr lang="en-US"/>
           </a:p>
         </p:txBody>
       </p:sp>
@@ -1373,7 +1373,7 @@
       </p:grpSpPr>
       <p:sp>
         <p:nvSpPr>
-          <p:cNvPr id="8" name="Дата 4"/>
+          <p:cNvPr id="8" name="Date Placeholder 4"/>
           <p:cNvSpPr>
             <a:spLocks noGrp="1"/>
           </p:cNvSpPr>
@@ -1403,17 +1403,17 @@
           </a:lstStyle>
           <a:p>
             <a:fld id="{51E84241-D031-42DE-84E4-CC10C30232F4}" type="datetimeFigureOut">
-              <a:rPr lang="ru-RU" smtClean="0"/>
+              <a:rPr lang="en-US" smtClean="0"/>
               <a:pPr/>
               <a:t>22.10.2013</a:t>
             </a:fld>
-            <a:endParaRPr lang="ru-RU" dirty="0"/>
-          </a:p>
-        </p:txBody>
-      </p:sp>
-      <p:sp>
-        <p:nvSpPr>
-          <p:cNvPr id="9" name="Нижний колонтитул 5"/>
+            <a:endParaRPr lang="en-US" dirty="0"/>
+          </a:p>
+        </p:txBody>
+      </p:sp>
+      <p:sp>
+        <p:nvSpPr>
+          <p:cNvPr id="9" name="Footer Placeholder 5"/>
           <p:cNvSpPr>
             <a:spLocks noGrp="1"/>
           </p:cNvSpPr>
@@ -1442,13 +1442,13 @@
             </a:lvl1pPr>
           </a:lstStyle>
           <a:p>
-            <a:endParaRPr lang="ru-RU"/>
-          </a:p>
-        </p:txBody>
-      </p:sp>
-      <p:sp>
-        <p:nvSpPr>
-          <p:cNvPr id="10" name="Номер слайда 6"/>
+            <a:endParaRPr lang="en-US"/>
+          </a:p>
+        </p:txBody>
+      </p:sp>
+      <p:sp>
+        <p:nvSpPr>
+          <p:cNvPr id="10" name="Slide Number Placeholder 6"/>
           <p:cNvSpPr>
             <a:spLocks noGrp="1"/>
           </p:cNvSpPr>
@@ -1478,17 +1478,17 @@
           </a:lstStyle>
           <a:p>
             <a:fld id="{6B5AA3AA-5EA9-4976-BF6C-9891F6110747}" type="slidenum">
-              <a:rPr lang="ru-RU" smtClean="0"/>
+              <a:rPr lang="en-US" smtClean="0"/>
               <a:pPr/>
               <a:t>‹#›</a:t>
             </a:fld>
-            <a:endParaRPr lang="ru-RU"/>
-          </a:p>
-        </p:txBody>
-      </p:sp>
-      <p:sp>
-        <p:nvSpPr>
-          <p:cNvPr id="11" name="Заголовок 1"/>
+            <a:endParaRPr lang="en-US"/>
+          </a:p>
+        </p:txBody>
+      </p:sp>
+      <p:sp>
+        <p:nvSpPr>
+          <p:cNvPr id="11" name="Title 1"/>
           <p:cNvSpPr>
             <a:spLocks noGrp="1"/>
           </p:cNvSpPr>
@@ -1512,16 +1512,16 @@
           <a:lstStyle/>
           <a:p>
             <a:r>
-              <a:rPr lang="ru-RU" smtClean="0"/>
-              <a:t>Образец заголовка</a:t>
-            </a:r>
-            <a:endParaRPr lang="ru-RU"/>
-          </a:p>
-        </p:txBody>
-      </p:sp>
-      <p:sp>
-        <p:nvSpPr>
-          <p:cNvPr id="12" name="Текст 2"/>
+              <a:rPr lang="en-US" smtClean="0"/>
+              <a:t>Click to edit Master title style</a:t>
+            </a:r>
+            <a:endParaRPr lang="en-US"/>
+          </a:p>
+        </p:txBody>
+      </p:sp>
+      <p:sp>
+        <p:nvSpPr>
+          <p:cNvPr id="12" name="Text Placeholder 2"/>
           <p:cNvSpPr>
             <a:spLocks noGrp="1"/>
           </p:cNvSpPr>
@@ -1546,38 +1546,38 @@
           <a:p>
             <a:pPr lvl="0"/>
             <a:r>
-              <a:rPr lang="ru-RU" dirty="0" smtClean="0"/>
-              <a:t>Образец текста</a:t>
+              <a:rPr lang="en-US" dirty="0" smtClean="0"/>
+              <a:t>Click to edit Master text styles</a:t>
             </a:r>
           </a:p>
           <a:p>
             <a:pPr lvl="1"/>
             <a:r>
-              <a:rPr lang="ru-RU" dirty="0" smtClean="0"/>
-              <a:t>Второй уровень</a:t>
+              <a:rPr lang="en-US" dirty="0" smtClean="0"/>
+              <a:t>Second level</a:t>
             </a:r>
           </a:p>
           <a:p>
             <a:pPr lvl="2"/>
             <a:r>
-              <a:rPr lang="ru-RU" dirty="0" smtClean="0"/>
-              <a:t>Третий уровень</a:t>
+              <a:rPr lang="en-US" dirty="0" smtClean="0"/>
+              <a:t>Third level</a:t>
             </a:r>
           </a:p>
           <a:p>
             <a:pPr lvl="3"/>
             <a:r>
-              <a:rPr lang="ru-RU" dirty="0" smtClean="0"/>
-              <a:t>Четвертый уровень</a:t>
+              <a:rPr lang="en-US" dirty="0" smtClean="0"/>
+              <a:t>Fourth level</a:t>
             </a:r>
           </a:p>
           <a:p>
             <a:pPr lvl="4"/>
             <a:r>
-              <a:rPr lang="ru-RU" dirty="0" smtClean="0"/>
-              <a:t>Пятый уровень</a:t>
-            </a:r>
-            <a:endParaRPr lang="ru-RU" dirty="0"/>
+              <a:rPr lang="en-US" dirty="0" smtClean="0"/>
+              <a:t>Fifth level</a:t>
+            </a:r>
+            <a:endParaRPr lang="en-US" dirty="0"/>
           </a:p>
         </p:txBody>
       </p:sp>
@@ -1634,7 +1634,7 @@
       </p:grpSpPr>
       <p:pic>
         <p:nvPicPr>
-          <p:cNvPr id="19" name="Рисунок 18"/>
+          <p:cNvPr id="19" name="Picture Placeholder 18"/>
           <p:cNvPicPr>
             <a:picLocks noChangeAspect="1"/>
           </p:cNvPicPr>
@@ -1660,7 +1660,7 @@
       </p:pic>
       <p:sp>
         <p:nvSpPr>
-          <p:cNvPr id="16" name="Заголовок 1"/>
+          <p:cNvPr id="16" name="Title 1"/>
           <p:cNvSpPr>
             <a:spLocks noGrp="1"/>
           </p:cNvSpPr>
@@ -1683,16 +1683,16 @@
           </a:lstStyle>
           <a:p>
             <a:r>
-              <a:rPr lang="ru-RU" smtClean="0"/>
-              <a:t>Образец заголовка</a:t>
-            </a:r>
-            <a:endParaRPr lang="ru-RU" dirty="0"/>
-          </a:p>
-        </p:txBody>
-      </p:sp>
-      <p:sp>
-        <p:nvSpPr>
-          <p:cNvPr id="20" name="Текст 2"/>
+              <a:rPr lang="en-US" smtClean="0"/>
+              <a:t>Click to edit Master title style</a:t>
+            </a:r>
+            <a:endParaRPr lang="en-US" dirty="0"/>
+          </a:p>
+        </p:txBody>
+      </p:sp>
+      <p:sp>
+        <p:nvSpPr>
+          <p:cNvPr id="20" name="Text Placeholder 2"/>
           <p:cNvSpPr>
             <a:spLocks noGrp="1"/>
           </p:cNvSpPr>
@@ -1803,15 +1803,15 @@
           <a:p>
             <a:pPr lvl="0"/>
             <a:r>
-              <a:rPr lang="ru-RU" smtClean="0"/>
-              <a:t>Образец текста</a:t>
-            </a:r>
-          </a:p>
-        </p:txBody>
-      </p:sp>
-      <p:sp>
-        <p:nvSpPr>
-          <p:cNvPr id="21" name="Дата 3"/>
+              <a:rPr lang="en-US" smtClean="0"/>
+              <a:t>Click to edit Master text styles</a:t>
+            </a:r>
+          </a:p>
+        </p:txBody>
+      </p:sp>
+      <p:sp>
+        <p:nvSpPr>
+          <p:cNvPr id="21" name="Date Placeholder 3"/>
           <p:cNvSpPr>
             <a:spLocks noGrp="1"/>
           </p:cNvSpPr>
@@ -1830,16 +1830,16 @@
           <a:lstStyle/>
           <a:p>
             <a:fld id="{51E84241-D031-42DE-84E4-CC10C30232F4}" type="datetimeFigureOut">
-              <a:rPr lang="ru-RU" smtClean="0"/>
+              <a:rPr lang="en-US" smtClean="0"/>
               <a:t>22.10.2013</a:t>
             </a:fld>
-            <a:endParaRPr lang="ru-RU"/>
-          </a:p>
-        </p:txBody>
-      </p:sp>
-      <p:sp>
-        <p:nvSpPr>
-          <p:cNvPr id="22" name="Нижний колонтитул 4"/>
+            <a:endParaRPr lang="en-US"/>
+          </a:p>
+        </p:txBody>
+      </p:sp>
+      <p:sp>
+        <p:nvSpPr>
+          <p:cNvPr id="22" name="Footer Placeholder 4"/>
           <p:cNvSpPr>
             <a:spLocks noGrp="1"/>
           </p:cNvSpPr>
@@ -1857,13 +1857,13 @@
           <a:bodyPr/>
           <a:lstStyle/>
           <a:p>
-            <a:endParaRPr lang="ru-RU"/>
-          </a:p>
-        </p:txBody>
-      </p:sp>
-      <p:sp>
-        <p:nvSpPr>
-          <p:cNvPr id="23" name="Номер слайда 5"/>
+            <a:endParaRPr lang="en-US"/>
+          </a:p>
+        </p:txBody>
+      </p:sp>
+      <p:sp>
+        <p:nvSpPr>
+          <p:cNvPr id="23" name="Slide Number Placeholder 5"/>
           <p:cNvSpPr>
             <a:spLocks noGrp="1"/>
           </p:cNvSpPr>
@@ -1882,10 +1882,10 @@
           <a:lstStyle/>
           <a:p>
             <a:fld id="{6B5AA3AA-5EA9-4976-BF6C-9891F6110747}" type="slidenum">
-              <a:rPr lang="ru-RU" smtClean="0"/>
+              <a:rPr lang="en-US" smtClean="0"/>
               <a:t>‹#›</a:t>
             </a:fld>
-            <a:endParaRPr lang="ru-RU"/>
+            <a:endParaRPr lang="en-US"/>
           </a:p>
         </p:txBody>
       </p:sp>
@@ -1928,7 +1928,7 @@
       </p:grpSpPr>
       <p:sp>
         <p:nvSpPr>
-          <p:cNvPr id="2" name="Заголовок 1"/>
+          <p:cNvPr id="2" name="Title 1"/>
           <p:cNvSpPr>
             <a:spLocks noGrp="1"/>
           </p:cNvSpPr>
@@ -1942,16 +1942,16 @@
           <a:lstStyle/>
           <a:p>
             <a:r>
-              <a:rPr lang="ru-RU" smtClean="0"/>
-              <a:t>Образец заголовка</a:t>
-            </a:r>
-            <a:endParaRPr lang="ru-RU"/>
-          </a:p>
-        </p:txBody>
-      </p:sp>
-      <p:sp>
-        <p:nvSpPr>
-          <p:cNvPr id="3" name="Объект 2"/>
+              <a:rPr lang="en-US" smtClean="0"/>
+              <a:t>Click to edit Master title style</a:t>
+            </a:r>
+            <a:endParaRPr lang="en-US"/>
+          </a:p>
+        </p:txBody>
+      </p:sp>
+      <p:sp>
+        <p:nvSpPr>
+          <p:cNvPr id="3" name="Content Placeholder 2"/>
           <p:cNvSpPr>
             <a:spLocks noGrp="1"/>
           </p:cNvSpPr>
@@ -1999,44 +1999,44 @@
           <a:p>
             <a:pPr lvl="0"/>
             <a:r>
-              <a:rPr lang="ru-RU" dirty="0" smtClean="0"/>
-              <a:t>Образец текста</a:t>
+              <a:rPr lang="en-US" dirty="0" smtClean="0"/>
+              <a:t>Click to edit Master text styles</a:t>
             </a:r>
           </a:p>
           <a:p>
             <a:pPr lvl="1"/>
             <a:r>
-              <a:rPr lang="ru-RU" dirty="0" smtClean="0"/>
-              <a:t>Второй уровень</a:t>
+              <a:rPr lang="en-US" dirty="0" smtClean="0"/>
+              <a:t>Second level</a:t>
             </a:r>
           </a:p>
           <a:p>
             <a:pPr lvl="2"/>
             <a:r>
-              <a:rPr lang="ru-RU" dirty="0" smtClean="0"/>
-              <a:t>Третий уровень</a:t>
+              <a:rPr lang="en-US" dirty="0" smtClean="0"/>
+              <a:t>Third level</a:t>
             </a:r>
           </a:p>
           <a:p>
             <a:pPr lvl="3"/>
             <a:r>
-              <a:rPr lang="ru-RU" dirty="0" smtClean="0"/>
-              <a:t>Четвертый уровень</a:t>
+              <a:rPr lang="en-US" dirty="0" smtClean="0"/>
+              <a:t>Fourth level</a:t>
             </a:r>
           </a:p>
           <a:p>
             <a:pPr lvl="4"/>
             <a:r>
-              <a:rPr lang="ru-RU" dirty="0" smtClean="0"/>
-              <a:t>Пятый уровень</a:t>
-            </a:r>
-            <a:endParaRPr lang="ru-RU" dirty="0"/>
-          </a:p>
-        </p:txBody>
-      </p:sp>
-      <p:sp>
-        <p:nvSpPr>
-          <p:cNvPr id="4" name="Объект 3"/>
+              <a:rPr lang="en-US" dirty="0" smtClean="0"/>
+              <a:t>Fifth level</a:t>
+            </a:r>
+            <a:endParaRPr lang="en-US" dirty="0"/>
+          </a:p>
+        </p:txBody>
+      </p:sp>
+      <p:sp>
+        <p:nvSpPr>
+          <p:cNvPr id="4" name="Content Placeholder 3"/>
           <p:cNvSpPr>
             <a:spLocks noGrp="1"/>
           </p:cNvSpPr>
@@ -2084,44 +2084,44 @@
           <a:p>
             <a:pPr lvl="0"/>
             <a:r>
-              <a:rPr lang="ru-RU" smtClean="0"/>
-              <a:t>Образец текста</a:t>
+              <a:rPr lang="en-US" smtClean="0"/>
+              <a:t>Click to edit Master text styles</a:t>
             </a:r>
           </a:p>
           <a:p>
             <a:pPr lvl="1"/>
             <a:r>
-              <a:rPr lang="ru-RU" smtClean="0"/>
-              <a:t>Второй уровень</a:t>
+              <a:rPr lang="en-US" smtClean="0"/>
+              <a:t>Second level</a:t>
             </a:r>
           </a:p>
           <a:p>
             <a:pPr lvl="2"/>
             <a:r>
-              <a:rPr lang="ru-RU" smtClean="0"/>
-              <a:t>Третий уровень</a:t>
+              <a:rPr lang="en-US" smtClean="0"/>
+              <a:t>Third level</a:t>
             </a:r>
           </a:p>
           <a:p>
             <a:pPr lvl="3"/>
             <a:r>
-              <a:rPr lang="ru-RU" smtClean="0"/>
-              <a:t>Четвертый уровень</a:t>
+              <a:rPr lang="en-US" smtClean="0"/>
+              <a:t>Fourth level</a:t>
             </a:r>
           </a:p>
           <a:p>
             <a:pPr lvl="4"/>
             <a:r>
-              <a:rPr lang="ru-RU" smtClean="0"/>
-              <a:t>Пятый уровень</a:t>
-            </a:r>
-            <a:endParaRPr lang="ru-RU"/>
-          </a:p>
-        </p:txBody>
-      </p:sp>
-      <p:sp>
-        <p:nvSpPr>
-          <p:cNvPr id="5" name="Дата 4"/>
+              <a:rPr lang="en-US" smtClean="0"/>
+              <a:t>Fifth level</a:t>
+            </a:r>
+            <a:endParaRPr lang="en-US"/>
+          </a:p>
+        </p:txBody>
+      </p:sp>
+      <p:sp>
+        <p:nvSpPr>
+          <p:cNvPr id="5" name="Date Placeholder 4"/>
           <p:cNvSpPr>
             <a:spLocks noGrp="1"/>
           </p:cNvSpPr>
@@ -2135,16 +2135,16 @@
           <a:lstStyle/>
           <a:p>
             <a:fld id="{51E84241-D031-42DE-84E4-CC10C30232F4}" type="datetimeFigureOut">
-              <a:rPr lang="ru-RU" smtClean="0"/>
+              <a:rPr lang="en-US" smtClean="0"/>
               <a:t>22.10.2013</a:t>
             </a:fld>
-            <a:endParaRPr lang="ru-RU"/>
-          </a:p>
-        </p:txBody>
-      </p:sp>
-      <p:sp>
-        <p:nvSpPr>
-          <p:cNvPr id="6" name="Нижний колонтитул 5"/>
+            <a:endParaRPr lang="en-US"/>
+          </a:p>
+        </p:txBody>
+      </p:sp>
+      <p:sp>
+        <p:nvSpPr>
+          <p:cNvPr id="6" name="Footer Placeholder 5"/>
           <p:cNvSpPr>
             <a:spLocks noGrp="1"/>
           </p:cNvSpPr>
@@ -2157,13 +2157,13 @@
           <a:bodyPr/>
           <a:lstStyle/>
           <a:p>
-            <a:endParaRPr lang="ru-RU"/>
-          </a:p>
-        </p:txBody>
-      </p:sp>
-      <p:sp>
-        <p:nvSpPr>
-          <p:cNvPr id="7" name="Номер слайда 6"/>
+            <a:endParaRPr lang="en-US"/>
+          </a:p>
+        </p:txBody>
+      </p:sp>
+      <p:sp>
+        <p:nvSpPr>
+          <p:cNvPr id="7" name="Slide Number Placeholder 6"/>
           <p:cNvSpPr>
             <a:spLocks noGrp="1"/>
           </p:cNvSpPr>
@@ -2177,10 +2177,10 @@
           <a:lstStyle/>
           <a:p>
             <a:fld id="{6B5AA3AA-5EA9-4976-BF6C-9891F6110747}" type="slidenum">
-              <a:rPr lang="ru-RU" smtClean="0"/>
+              <a:rPr lang="en-US" smtClean="0"/>
               <a:t>‹#›</a:t>
             </a:fld>
-            <a:endParaRPr lang="ru-RU"/>
+            <a:endParaRPr lang="en-US"/>
           </a:p>
         </p:txBody>
       </p:sp>
@@ -2223,7 +2223,7 @@
       </p:grpSpPr>
       <p:sp>
         <p:nvSpPr>
-          <p:cNvPr id="2" name="Заголовок 1"/>
+          <p:cNvPr id="2" name="Title 1"/>
           <p:cNvSpPr>
             <a:spLocks noGrp="1"/>
           </p:cNvSpPr>
@@ -2241,16 +2241,16 @@
           </a:lstStyle>
           <a:p>
             <a:r>
-              <a:rPr lang="ru-RU" smtClean="0"/>
-              <a:t>Образец заголовка</a:t>
-            </a:r>
-            <a:endParaRPr lang="ru-RU"/>
-          </a:p>
-        </p:txBody>
-      </p:sp>
-      <p:sp>
-        <p:nvSpPr>
-          <p:cNvPr id="3" name="Текст 2"/>
+              <a:rPr lang="en-US" smtClean="0"/>
+              <a:t>Click to edit Master title style</a:t>
+            </a:r>
+            <a:endParaRPr lang="en-US"/>
+          </a:p>
+        </p:txBody>
+      </p:sp>
+      <p:sp>
+        <p:nvSpPr>
+          <p:cNvPr id="3" name="Text Placeholder 2"/>
           <p:cNvSpPr>
             <a:spLocks noGrp="1"/>
           </p:cNvSpPr>
@@ -2307,15 +2307,15 @@
           <a:p>
             <a:pPr lvl="0"/>
             <a:r>
-              <a:rPr lang="ru-RU" smtClean="0"/>
-              <a:t>Образец текста</a:t>
-            </a:r>
-          </a:p>
-        </p:txBody>
-      </p:sp>
-      <p:sp>
-        <p:nvSpPr>
-          <p:cNvPr id="4" name="Объект 3"/>
+              <a:rPr lang="en-US" smtClean="0"/>
+              <a:t>Click to edit Master text styles</a:t>
+            </a:r>
+          </a:p>
+        </p:txBody>
+      </p:sp>
+      <p:sp>
+        <p:nvSpPr>
+          <p:cNvPr id="4" name="Content Placeholder 3"/>
           <p:cNvSpPr>
             <a:spLocks noGrp="1"/>
           </p:cNvSpPr>
@@ -2363,44 +2363,44 @@
           <a:p>
             <a:pPr lvl="0"/>
             <a:r>
-              <a:rPr lang="ru-RU" smtClean="0"/>
-              <a:t>Образец текста</a:t>
+              <a:rPr lang="en-US" smtClean="0"/>
+              <a:t>Click to edit Master text styles</a:t>
             </a:r>
           </a:p>
           <a:p>
             <a:pPr lvl="1"/>
             <a:r>
-              <a:rPr lang="ru-RU" smtClean="0"/>
-              <a:t>Второй уровень</a:t>
+              <a:rPr lang="en-US" smtClean="0"/>
+              <a:t>Second level</a:t>
             </a:r>
           </a:p>
           <a:p>
             <a:pPr lvl="2"/>
             <a:r>
-              <a:rPr lang="ru-RU" smtClean="0"/>
-              <a:t>Третий уровень</a:t>
+              <a:rPr lang="en-US" smtClean="0"/>
+              <a:t>Third level</a:t>
             </a:r>
           </a:p>
           <a:p>
             <a:pPr lvl="3"/>
             <a:r>
-              <a:rPr lang="ru-RU" smtClean="0"/>
-              <a:t>Четвертый уровень</a:t>
+              <a:rPr lang="en-US" smtClean="0"/>
+              <a:t>Fourth level</a:t>
             </a:r>
           </a:p>
           <a:p>
             <a:pPr lvl="4"/>
             <a:r>
-              <a:rPr lang="ru-RU" smtClean="0"/>
-              <a:t>Пятый уровень</a:t>
-            </a:r>
-            <a:endParaRPr lang="ru-RU"/>
-          </a:p>
-        </p:txBody>
-      </p:sp>
-      <p:sp>
-        <p:nvSpPr>
-          <p:cNvPr id="5" name="Текст 4"/>
+              <a:rPr lang="en-US" smtClean="0"/>
+              <a:t>Fifth level</a:t>
+            </a:r>
+            <a:endParaRPr lang="en-US"/>
+          </a:p>
+        </p:txBody>
+      </p:sp>
+      <p:sp>
+        <p:nvSpPr>
+          <p:cNvPr id="5" name="Text Placeholder 4"/>
           <p:cNvSpPr>
             <a:spLocks noGrp="1"/>
           </p:cNvSpPr>
@@ -2457,15 +2457,15 @@
           <a:p>
             <a:pPr lvl="0"/>
             <a:r>
-              <a:rPr lang="ru-RU" smtClean="0"/>
-              <a:t>Образец текста</a:t>
-            </a:r>
-          </a:p>
-        </p:txBody>
-      </p:sp>
-      <p:sp>
-        <p:nvSpPr>
-          <p:cNvPr id="6" name="Объект 5"/>
+              <a:rPr lang="en-US" smtClean="0"/>
+              <a:t>Click to edit Master text styles</a:t>
+            </a:r>
+          </a:p>
+        </p:txBody>
+      </p:sp>
+      <p:sp>
+        <p:nvSpPr>
+          <p:cNvPr id="6" name="Content Placeholder 5"/>
           <p:cNvSpPr>
             <a:spLocks noGrp="1"/>
           </p:cNvSpPr>
@@ -2513,44 +2513,44 @@
           <a:p>
             <a:pPr lvl="0"/>
             <a:r>
-              <a:rPr lang="ru-RU" smtClean="0"/>
-              <a:t>Образец текста</a:t>
+              <a:rPr lang="en-US" smtClean="0"/>
+              <a:t>Click to edit Master text styles</a:t>
             </a:r>
           </a:p>
           <a:p>
             <a:pPr lvl="1"/>
             <a:r>
-              <a:rPr lang="ru-RU" smtClean="0"/>
-              <a:t>Второй уровень</a:t>
+              <a:rPr lang="en-US" smtClean="0"/>
+              <a:t>Second level</a:t>
             </a:r>
           </a:p>
           <a:p>
             <a:pPr lvl="2"/>
             <a:r>
-              <a:rPr lang="ru-RU" smtClean="0"/>
-              <a:t>Третий уровень</a:t>
+              <a:rPr lang="en-US" smtClean="0"/>
+              <a:t>Third level</a:t>
             </a:r>
           </a:p>
           <a:p>
             <a:pPr lvl="3"/>
             <a:r>
-              <a:rPr lang="ru-RU" smtClean="0"/>
-              <a:t>Четвертый уровень</a:t>
+              <a:rPr lang="en-US" smtClean="0"/>
+              <a:t>Fourth level</a:t>
             </a:r>
           </a:p>
           <a:p>
             <a:pPr lvl="4"/>
             <a:r>
-              <a:rPr lang="ru-RU" smtClean="0"/>
-              <a:t>Пятый уровень</a:t>
-            </a:r>
-            <a:endParaRPr lang="ru-RU"/>
-          </a:p>
-        </p:txBody>
-      </p:sp>
-      <p:sp>
-        <p:nvSpPr>
-          <p:cNvPr id="7" name="Дата 6"/>
+              <a:rPr lang="en-US" smtClean="0"/>
+              <a:t>Fifth level</a:t>
+            </a:r>
+            <a:endParaRPr lang="en-US"/>
+          </a:p>
+        </p:txBody>
+      </p:sp>
+      <p:sp>
+        <p:nvSpPr>
+          <p:cNvPr id="7" name="Date Placeholder 6"/>
           <p:cNvSpPr>
             <a:spLocks noGrp="1"/>
           </p:cNvSpPr>
@@ -2564,16 +2564,16 @@
           <a:lstStyle/>
           <a:p>
             <a:fld id="{51E84241-D031-42DE-84E4-CC10C30232F4}" type="datetimeFigureOut">
-              <a:rPr lang="ru-RU" smtClean="0"/>
+              <a:rPr lang="en-US" smtClean="0"/>
               <a:t>22.10.2013</a:t>
             </a:fld>
-            <a:endParaRPr lang="ru-RU"/>
-          </a:p>
-        </p:txBody>
-      </p:sp>
-      <p:sp>
-        <p:nvSpPr>
-          <p:cNvPr id="8" name="Нижний колонтитул 7"/>
+            <a:endParaRPr lang="en-US"/>
+          </a:p>
+        </p:txBody>
+      </p:sp>
+      <p:sp>
+        <p:nvSpPr>
+          <p:cNvPr id="8" name="Footer Placeholder 7"/>
           <p:cNvSpPr>
             <a:spLocks noGrp="1"/>
           </p:cNvSpPr>
@@ -2586,13 +2586,13 @@
           <a:bodyPr/>
           <a:lstStyle/>
           <a:p>
-            <a:endParaRPr lang="ru-RU"/>
-          </a:p>
-        </p:txBody>
-      </p:sp>
-      <p:sp>
-        <p:nvSpPr>
-          <p:cNvPr id="9" name="Номер слайда 8"/>
+            <a:endParaRPr lang="en-US"/>
+          </a:p>
+        </p:txBody>
+      </p:sp>
+      <p:sp>
+        <p:nvSpPr>
+          <p:cNvPr id="9" name="Slide Number Placeholder 8"/>
           <p:cNvSpPr>
             <a:spLocks noGrp="1"/>
           </p:cNvSpPr>
@@ -2606,10 +2606,10 @@
           <a:lstStyle/>
           <a:p>
             <a:fld id="{6B5AA3AA-5EA9-4976-BF6C-9891F6110747}" type="slidenum">
-              <a:rPr lang="ru-RU" smtClean="0"/>
+              <a:rPr lang="en-US" smtClean="0"/>
               <a:t>‹#›</a:t>
             </a:fld>
-            <a:endParaRPr lang="ru-RU"/>
+            <a:endParaRPr lang="en-US"/>
           </a:p>
         </p:txBody>
       </p:sp>
@@ -2652,7 +2652,7 @@
       </p:grpSpPr>
       <p:sp>
         <p:nvSpPr>
-          <p:cNvPr id="2" name="Заголовок 1"/>
+          <p:cNvPr id="2" name="Title 1"/>
           <p:cNvSpPr>
             <a:spLocks noGrp="1"/>
           </p:cNvSpPr>
@@ -2666,16 +2666,16 @@
           <a:lstStyle/>
           <a:p>
             <a:r>
-              <a:rPr lang="ru-RU" smtClean="0"/>
-              <a:t>Образец заголовка</a:t>
-            </a:r>
-            <a:endParaRPr lang="ru-RU"/>
-          </a:p>
-        </p:txBody>
-      </p:sp>
-      <p:sp>
-        <p:nvSpPr>
-          <p:cNvPr id="6" name="Дата 4"/>
+              <a:rPr lang="en-US" smtClean="0"/>
+              <a:t>Click to edit Master title style</a:t>
+            </a:r>
+            <a:endParaRPr lang="en-US"/>
+          </a:p>
+        </p:txBody>
+      </p:sp>
+      <p:sp>
+        <p:nvSpPr>
+          <p:cNvPr id="6" name="Date Placeholder 4"/>
           <p:cNvSpPr>
             <a:spLocks noGrp="1"/>
           </p:cNvSpPr>
@@ -2705,17 +2705,17 @@
           </a:lstStyle>
           <a:p>
             <a:fld id="{51E84241-D031-42DE-84E4-CC10C30232F4}" type="datetimeFigureOut">
-              <a:rPr lang="ru-RU" smtClean="0"/>
+              <a:rPr lang="en-US" smtClean="0"/>
               <a:pPr/>
               <a:t>22.10.2013</a:t>
             </a:fld>
-            <a:endParaRPr lang="ru-RU" dirty="0"/>
-          </a:p>
-        </p:txBody>
-      </p:sp>
-      <p:sp>
-        <p:nvSpPr>
-          <p:cNvPr id="7" name="Нижний колонтитул 5"/>
+            <a:endParaRPr lang="en-US" dirty="0"/>
+          </a:p>
+        </p:txBody>
+      </p:sp>
+      <p:sp>
+        <p:nvSpPr>
+          <p:cNvPr id="7" name="Footer Placeholder 5"/>
           <p:cNvSpPr>
             <a:spLocks noGrp="1"/>
           </p:cNvSpPr>
@@ -2744,13 +2744,13 @@
             </a:lvl1pPr>
           </a:lstStyle>
           <a:p>
-            <a:endParaRPr lang="ru-RU"/>
-          </a:p>
-        </p:txBody>
-      </p:sp>
-      <p:sp>
-        <p:nvSpPr>
-          <p:cNvPr id="8" name="Номер слайда 6"/>
+            <a:endParaRPr lang="en-US"/>
+          </a:p>
+        </p:txBody>
+      </p:sp>
+      <p:sp>
+        <p:nvSpPr>
+          <p:cNvPr id="8" name="Slide Number Placeholder 6"/>
           <p:cNvSpPr>
             <a:spLocks noGrp="1"/>
           </p:cNvSpPr>
@@ -2780,11 +2780,11 @@
           </a:lstStyle>
           <a:p>
             <a:fld id="{6B5AA3AA-5EA9-4976-BF6C-9891F6110747}" type="slidenum">
-              <a:rPr lang="ru-RU" smtClean="0"/>
+              <a:rPr lang="en-US" smtClean="0"/>
               <a:pPr/>
               <a:t>‹#›</a:t>
             </a:fld>
-            <a:endParaRPr lang="ru-RU"/>
+            <a:endParaRPr lang="en-US"/>
           </a:p>
         </p:txBody>
       </p:sp>
@@ -2827,7 +2827,7 @@
       </p:grpSpPr>
       <p:sp>
         <p:nvSpPr>
-          <p:cNvPr id="5" name="Дата 4"/>
+          <p:cNvPr id="5" name="Date Placeholder 4"/>
           <p:cNvSpPr>
             <a:spLocks noGrp="1"/>
           </p:cNvSpPr>
@@ -2857,17 +2857,17 @@
           </a:lstStyle>
           <a:p>
             <a:fld id="{51E84241-D031-42DE-84E4-CC10C30232F4}" type="datetimeFigureOut">
-              <a:rPr lang="ru-RU" smtClean="0"/>
+              <a:rPr lang="en-US" smtClean="0"/>
               <a:pPr/>
               <a:t>22.10.2013</a:t>
             </a:fld>
-            <a:endParaRPr lang="ru-RU" dirty="0"/>
-          </a:p>
-        </p:txBody>
-      </p:sp>
-      <p:sp>
-        <p:nvSpPr>
-          <p:cNvPr id="6" name="Нижний колонтитул 5"/>
+            <a:endParaRPr lang="en-US" dirty="0"/>
+          </a:p>
+        </p:txBody>
+      </p:sp>
+      <p:sp>
+        <p:nvSpPr>
+          <p:cNvPr id="6" name="Footer Placeholder 5"/>
           <p:cNvSpPr>
             <a:spLocks noGrp="1"/>
           </p:cNvSpPr>
@@ -2896,13 +2896,13 @@
             </a:lvl1pPr>
           </a:lstStyle>
           <a:p>
-            <a:endParaRPr lang="ru-RU"/>
-          </a:p>
-        </p:txBody>
-      </p:sp>
-      <p:sp>
-        <p:nvSpPr>
-          <p:cNvPr id="7" name="Номер слайда 6"/>
+            <a:endParaRPr lang="en-US"/>
+          </a:p>
+        </p:txBody>
+      </p:sp>
+      <p:sp>
+        <p:nvSpPr>
+          <p:cNvPr id="7" name="Slide Number Placeholder 6"/>
           <p:cNvSpPr>
             <a:spLocks noGrp="1"/>
           </p:cNvSpPr>
@@ -2932,11 +2932,11 @@
           </a:lstStyle>
           <a:p>
             <a:fld id="{6B5AA3AA-5EA9-4976-BF6C-9891F6110747}" type="slidenum">
-              <a:rPr lang="ru-RU" smtClean="0"/>
+              <a:rPr lang="en-US" smtClean="0"/>
               <a:pPr/>
               <a:t>‹#›</a:t>
             </a:fld>
-            <a:endParaRPr lang="ru-RU"/>
+            <a:endParaRPr lang="en-US"/>
           </a:p>
         </p:txBody>
       </p:sp>
@@ -2979,7 +2979,7 @@
       </p:grpSpPr>
       <p:sp>
         <p:nvSpPr>
-          <p:cNvPr id="2" name="Заголовок 1"/>
+          <p:cNvPr id="2" name="Title 1"/>
           <p:cNvSpPr>
             <a:spLocks noGrp="1"/>
           </p:cNvSpPr>
@@ -3002,16 +3002,16 @@
           </a:lstStyle>
           <a:p>
             <a:r>
-              <a:rPr lang="ru-RU" smtClean="0"/>
-              <a:t>Образец заголовка</a:t>
-            </a:r>
-            <a:endParaRPr lang="ru-RU"/>
-          </a:p>
-        </p:txBody>
-      </p:sp>
-      <p:sp>
-        <p:nvSpPr>
-          <p:cNvPr id="3" name="Объект 2"/>
+              <a:rPr lang="en-US" smtClean="0"/>
+              <a:t>Click to edit Master title style</a:t>
+            </a:r>
+            <a:endParaRPr lang="en-US"/>
+          </a:p>
+        </p:txBody>
+      </p:sp>
+      <p:sp>
+        <p:nvSpPr>
+          <p:cNvPr id="3" name="Content Placeholder 2"/>
           <p:cNvSpPr>
             <a:spLocks noGrp="1"/>
           </p:cNvSpPr>
@@ -3059,44 +3059,44 @@
           <a:p>
             <a:pPr lvl="0"/>
             <a:r>
-              <a:rPr lang="ru-RU" smtClean="0"/>
-              <a:t>Образец текста</a:t>
+              <a:rPr lang="en-US" smtClean="0"/>
+              <a:t>Click to edit Master text styles</a:t>
             </a:r>
           </a:p>
           <a:p>
             <a:pPr lvl="1"/>
             <a:r>
-              <a:rPr lang="ru-RU" smtClean="0"/>
-              <a:t>Второй уровень</a:t>
+              <a:rPr lang="en-US" smtClean="0"/>
+              <a:t>Second level</a:t>
             </a:r>
           </a:p>
           <a:p>
             <a:pPr lvl="2"/>
             <a:r>
-              <a:rPr lang="ru-RU" smtClean="0"/>
-              <a:t>Третий уровень</a:t>
+              <a:rPr lang="en-US" smtClean="0"/>
+              <a:t>Third level</a:t>
             </a:r>
           </a:p>
           <a:p>
             <a:pPr lvl="3"/>
             <a:r>
-              <a:rPr lang="ru-RU" smtClean="0"/>
-              <a:t>Четвертый уровень</a:t>
+              <a:rPr lang="en-US" smtClean="0"/>
+              <a:t>Fourth level</a:t>
             </a:r>
           </a:p>
           <a:p>
             <a:pPr lvl="4"/>
             <a:r>
-              <a:rPr lang="ru-RU" smtClean="0"/>
-              <a:t>Пятый уровень</a:t>
-            </a:r>
-            <a:endParaRPr lang="ru-RU"/>
-          </a:p>
-        </p:txBody>
-      </p:sp>
-      <p:sp>
-        <p:nvSpPr>
-          <p:cNvPr id="4" name="Текст 3"/>
+              <a:rPr lang="en-US" smtClean="0"/>
+              <a:t>Fifth level</a:t>
+            </a:r>
+            <a:endParaRPr lang="en-US"/>
+          </a:p>
+        </p:txBody>
+      </p:sp>
+      <p:sp>
+        <p:nvSpPr>
+          <p:cNvPr id="4" name="Text Placeholder 3"/>
           <p:cNvSpPr>
             <a:spLocks noGrp="1"/>
           </p:cNvSpPr>
@@ -3153,15 +3153,15 @@
           <a:p>
             <a:pPr lvl="0"/>
             <a:r>
-              <a:rPr lang="ru-RU" smtClean="0"/>
-              <a:t>Образец текста</a:t>
-            </a:r>
-          </a:p>
-        </p:txBody>
-      </p:sp>
-      <p:sp>
-        <p:nvSpPr>
-          <p:cNvPr id="8" name="Дата 4"/>
+              <a:rPr lang="en-US" smtClean="0"/>
+              <a:t>Click to edit Master text styles</a:t>
+            </a:r>
+          </a:p>
+        </p:txBody>
+      </p:sp>
+      <p:sp>
+        <p:nvSpPr>
+          <p:cNvPr id="8" name="Date Placeholder 4"/>
           <p:cNvSpPr>
             <a:spLocks noGrp="1"/>
           </p:cNvSpPr>
@@ -3191,17 +3191,17 @@
           </a:lstStyle>
           <a:p>
             <a:fld id="{51E84241-D031-42DE-84E4-CC10C30232F4}" type="datetimeFigureOut">
-              <a:rPr lang="ru-RU" smtClean="0"/>
+              <a:rPr lang="en-US" smtClean="0"/>
               <a:pPr/>
               <a:t>22.10.2013</a:t>
             </a:fld>
-            <a:endParaRPr lang="ru-RU" dirty="0"/>
-          </a:p>
-        </p:txBody>
-      </p:sp>
-      <p:sp>
-        <p:nvSpPr>
-          <p:cNvPr id="9" name="Нижний колонтитул 5"/>
+            <a:endParaRPr lang="en-US" dirty="0"/>
+          </a:p>
+        </p:txBody>
+      </p:sp>
+      <p:sp>
+        <p:nvSpPr>
+          <p:cNvPr id="9" name="Footer Placeholder 5"/>
           <p:cNvSpPr>
             <a:spLocks noGrp="1"/>
           </p:cNvSpPr>
@@ -3230,13 +3230,13 @@
             </a:lvl1pPr>
           </a:lstStyle>
           <a:p>
-            <a:endParaRPr lang="ru-RU"/>
-          </a:p>
-        </p:txBody>
-      </p:sp>
-      <p:sp>
-        <p:nvSpPr>
-          <p:cNvPr id="10" name="Номер слайда 6"/>
+            <a:endParaRPr lang="en-US"/>
+          </a:p>
+        </p:txBody>
+      </p:sp>
+      <p:sp>
+        <p:nvSpPr>
+          <p:cNvPr id="10" name="Slide Number Placeholder 6"/>
           <p:cNvSpPr>
             <a:spLocks noGrp="1"/>
           </p:cNvSpPr>
@@ -3266,11 +3266,11 @@
           </a:lstStyle>
           <a:p>
             <a:fld id="{6B5AA3AA-5EA9-4976-BF6C-9891F6110747}" type="slidenum">
-              <a:rPr lang="ru-RU" smtClean="0"/>
+              <a:rPr lang="en-US" smtClean="0"/>
               <a:pPr/>
               <a:t>‹#›</a:t>
             </a:fld>
-            <a:endParaRPr lang="ru-RU"/>
+            <a:endParaRPr lang="en-US"/>
           </a:p>
         </p:txBody>
       </p:sp>
@@ -3313,7 +3313,7 @@
       </p:grpSpPr>
       <p:sp>
         <p:nvSpPr>
-          <p:cNvPr id="2" name="Заголовок 1"/>
+          <p:cNvPr id="2" name="Title 1"/>
           <p:cNvSpPr>
             <a:spLocks noGrp="1"/>
           </p:cNvSpPr>
@@ -3336,16 +3336,16 @@
           </a:lstStyle>
           <a:p>
             <a:r>
-              <a:rPr lang="ru-RU" smtClean="0"/>
-              <a:t>Образец заголовка</a:t>
-            </a:r>
-            <a:endParaRPr lang="ru-RU" dirty="0"/>
-          </a:p>
-        </p:txBody>
-      </p:sp>
-      <p:sp>
-        <p:nvSpPr>
-          <p:cNvPr id="5" name="Дата 4"/>
+              <a:rPr lang="en-US" smtClean="0"/>
+              <a:t>Click to edit Master title style</a:t>
+            </a:r>
+            <a:endParaRPr lang="en-US" dirty="0"/>
+          </a:p>
+        </p:txBody>
+      </p:sp>
+      <p:sp>
+        <p:nvSpPr>
+          <p:cNvPr id="5" name="Date Placeholder 4"/>
           <p:cNvSpPr>
             <a:spLocks noGrp="1"/>
           </p:cNvSpPr>
@@ -3375,17 +3375,17 @@
           </a:lstStyle>
           <a:p>
             <a:fld id="{51E84241-D031-42DE-84E4-CC10C30232F4}" type="datetimeFigureOut">
-              <a:rPr lang="ru-RU" smtClean="0"/>
+              <a:rPr lang="en-US" smtClean="0"/>
               <a:pPr/>
               <a:t>22.10.2013</a:t>
             </a:fld>
-            <a:endParaRPr lang="ru-RU" dirty="0"/>
-          </a:p>
-        </p:txBody>
-      </p:sp>
-      <p:sp>
-        <p:nvSpPr>
-          <p:cNvPr id="6" name="Нижний колонтитул 5"/>
+            <a:endParaRPr lang="en-US" dirty="0"/>
+          </a:p>
+        </p:txBody>
+      </p:sp>
+      <p:sp>
+        <p:nvSpPr>
+          <p:cNvPr id="6" name="Footer Placeholder 5"/>
           <p:cNvSpPr>
             <a:spLocks noGrp="1"/>
           </p:cNvSpPr>
@@ -3414,13 +3414,13 @@
             </a:lvl1pPr>
           </a:lstStyle>
           <a:p>
-            <a:endParaRPr lang="ru-RU"/>
-          </a:p>
-        </p:txBody>
-      </p:sp>
-      <p:sp>
-        <p:nvSpPr>
-          <p:cNvPr id="7" name="Номер слайда 6"/>
+            <a:endParaRPr lang="en-US"/>
+          </a:p>
+        </p:txBody>
+      </p:sp>
+      <p:sp>
+        <p:nvSpPr>
+          <p:cNvPr id="7" name="Slide Number Placeholder 6"/>
           <p:cNvSpPr>
             <a:spLocks noGrp="1"/>
           </p:cNvSpPr>
@@ -3450,11 +3450,11 @@
           </a:lstStyle>
           <a:p>
             <a:fld id="{6B5AA3AA-5EA9-4976-BF6C-9891F6110747}" type="slidenum">
-              <a:rPr lang="ru-RU" smtClean="0"/>
+              <a:rPr lang="en-US" smtClean="0"/>
               <a:pPr/>
               <a:t>‹#›</a:t>
             </a:fld>
-            <a:endParaRPr lang="ru-RU"/>
+            <a:endParaRPr lang="en-US"/>
           </a:p>
         </p:txBody>
       </p:sp>
@@ -3542,8 +3542,8 @@
           </a:lstStyle>
           <a:p>
             <a:r>
-              <a:rPr lang="ru-RU" smtClean="0"/>
-              <a:t>Вставка рисунка</a:t>
+              <a:rPr lang="en-US" smtClean="0"/>
+              <a:t>Click icon to add picture</a:t>
             </a:r>
             <a:endParaRPr lang="en-US" dirty="0"/>
           </a:p>
@@ -3635,8 +3635,8 @@
               <a:buNone/>
             </a:pPr>
             <a:r>
-              <a:rPr lang="ru-RU" smtClean="0"/>
-              <a:t>Образец текста</a:t>
+              <a:rPr lang="en-US" smtClean="0"/>
+              <a:t>Click to edit Master text styles</a:t>
             </a:r>
           </a:p>
         </p:txBody>
@@ -3694,7 +3694,7 @@
       </p:grpSpPr>
       <p:pic>
         <p:nvPicPr>
-          <p:cNvPr id="26" name="Рисунок 25"/>
+          <p:cNvPr id="26" name="Picture Placeholder 25"/>
           <p:cNvPicPr>
             <a:picLocks noChangeAspect="1"/>
           </p:cNvPicPr>
@@ -3720,7 +3720,7 @@
       </p:pic>
       <p:pic>
         <p:nvPicPr>
-          <p:cNvPr id="27" name="Рисунок 26"/>
+          <p:cNvPr id="27" name="Picture Placeholder 26"/>
           <p:cNvPicPr>
             <a:picLocks noChangeAspect="1"/>
           </p:cNvPicPr>
@@ -3750,7 +3750,7 @@
       </p:pic>
       <p:grpSp>
         <p:nvGrpSpPr>
-          <p:cNvPr id="77" name="Группа 76"/>
+          <p:cNvPr id="77" name="Group 76"/>
           <p:cNvGrpSpPr/>
           <p:nvPr/>
         </p:nvGrpSpPr>
@@ -3767,7 +3767,7 @@
         </p:grpSpPr>
         <p:sp>
           <p:nvSpPr>
-            <p:cNvPr id="78" name="Полилиния 77"/>
+            <p:cNvPr id="78" name="Polyline 77"/>
             <p:cNvSpPr/>
             <p:nvPr userDrawn="1"/>
           </p:nvSpPr>
@@ -3863,7 +3863,7 @@
         </p:sp>
         <p:sp>
           <p:nvSpPr>
-            <p:cNvPr id="79" name="Полилиния 78"/>
+            <p:cNvPr id="79" name="Polyline 78"/>
             <p:cNvSpPr/>
             <p:nvPr userDrawn="1"/>
           </p:nvSpPr>
@@ -3999,7 +3999,7 @@
         </p:sp>
         <p:grpSp>
           <p:nvGrpSpPr>
-            <p:cNvPr id="82" name="Группа 81"/>
+            <p:cNvPr id="82" name="Group 81"/>
             <p:cNvGrpSpPr/>
             <p:nvPr userDrawn="1"/>
           </p:nvGrpSpPr>
@@ -4014,7 +4014,7 @@
           </p:grpSpPr>
           <p:sp>
             <p:nvSpPr>
-              <p:cNvPr id="83" name="Полилиния 82"/>
+              <p:cNvPr id="83" name="Polyline 82"/>
               <p:cNvSpPr/>
               <p:nvPr userDrawn="1"/>
             </p:nvSpPr>
@@ -4110,7 +4110,7 @@
           </p:sp>
           <p:sp>
             <p:nvSpPr>
-              <p:cNvPr id="84" name="Полилиния 83"/>
+              <p:cNvPr id="84" name="Polyline 83"/>
               <p:cNvSpPr/>
               <p:nvPr userDrawn="1"/>
             </p:nvSpPr>
@@ -4228,7 +4228,7 @@
       </p:grpSp>
       <p:sp>
         <p:nvSpPr>
-          <p:cNvPr id="3" name="Заголовок 2"/>
+          <p:cNvPr id="3" name="Title 2"/>
           <p:cNvSpPr>
             <a:spLocks noGrp="1"/>
           </p:cNvSpPr>
@@ -4251,13 +4251,13 @@
           </a:bodyPr>
           <a:lstStyle/>
           <a:p>
-            <a:endParaRPr lang="ru-RU" dirty="0"/>
-          </a:p>
-        </p:txBody>
-      </p:sp>
-      <p:sp>
-        <p:nvSpPr>
-          <p:cNvPr id="5" name="Текст 4"/>
+            <a:endParaRPr lang="en-US" dirty="0"/>
+          </a:p>
+        </p:txBody>
+      </p:sp>
+      <p:sp>
+        <p:nvSpPr>
+          <p:cNvPr id="5" name="Text Placeholder 4"/>
           <p:cNvSpPr>
             <a:spLocks noGrp="1"/>
           </p:cNvSpPr>
@@ -4282,44 +4282,44 @@
           <a:p>
             <a:pPr lvl="0"/>
             <a:r>
-              <a:rPr lang="ru-RU" dirty="0" smtClean="0"/>
-              <a:t>Образец текста</a:t>
+              <a:rPr lang="en-US" dirty="0" smtClean="0"/>
+              <a:t>Click to edit Master text styles</a:t>
             </a:r>
           </a:p>
           <a:p>
             <a:pPr lvl="1"/>
             <a:r>
-              <a:rPr lang="ru-RU" dirty="0" smtClean="0"/>
-              <a:t>Второй уровень</a:t>
+              <a:rPr lang="en-US" dirty="0" smtClean="0"/>
+              <a:t>Second level</a:t>
             </a:r>
           </a:p>
           <a:p>
             <a:pPr lvl="2"/>
             <a:r>
-              <a:rPr lang="ru-RU" dirty="0" smtClean="0"/>
-              <a:t>Третий уровень</a:t>
+              <a:rPr lang="en-US" dirty="0" smtClean="0"/>
+              <a:t>Third level</a:t>
             </a:r>
           </a:p>
           <a:p>
             <a:pPr lvl="3"/>
             <a:r>
-              <a:rPr lang="ru-RU" dirty="0" smtClean="0"/>
-              <a:t>Четвертый уровень</a:t>
+              <a:rPr lang="en-US" dirty="0" smtClean="0"/>
+              <a:t>Fourth level</a:t>
             </a:r>
           </a:p>
           <a:p>
             <a:pPr lvl="4"/>
             <a:r>
-              <a:rPr lang="ru-RU" dirty="0" smtClean="0"/>
-              <a:t>Пятый уровень</a:t>
-            </a:r>
-            <a:endParaRPr lang="ru-RU" dirty="0"/>
-          </a:p>
-        </p:txBody>
-      </p:sp>
-      <p:sp>
-        <p:nvSpPr>
-          <p:cNvPr id="16" name="Дата 4"/>
+              <a:rPr lang="en-US" dirty="0" smtClean="0"/>
+              <a:t>Fifth level</a:t>
+            </a:r>
+            <a:endParaRPr lang="en-US" dirty="0"/>
+          </a:p>
+        </p:txBody>
+      </p:sp>
+      <p:sp>
+        <p:nvSpPr>
+          <p:cNvPr id="16" name="Date Placeholder 4"/>
           <p:cNvSpPr>
             <a:spLocks noGrp="1"/>
           </p:cNvSpPr>
@@ -4349,17 +4349,17 @@
           </a:lstStyle>
           <a:p>
             <a:fld id="{51E84241-D031-42DE-84E4-CC10C30232F4}" type="datetimeFigureOut">
-              <a:rPr lang="ru-RU" smtClean="0"/>
+              <a:rPr lang="en-US" smtClean="0"/>
               <a:pPr/>
               <a:t>22.10.2013</a:t>
             </a:fld>
-            <a:endParaRPr lang="ru-RU" dirty="0"/>
-          </a:p>
-        </p:txBody>
-      </p:sp>
-      <p:sp>
-        <p:nvSpPr>
-          <p:cNvPr id="17" name="Нижний колонтитул 5"/>
+            <a:endParaRPr lang="en-US" dirty="0"/>
+          </a:p>
+        </p:txBody>
+      </p:sp>
+      <p:sp>
+        <p:nvSpPr>
+          <p:cNvPr id="17" name="Footer Placeholder 5"/>
           <p:cNvSpPr>
             <a:spLocks noGrp="1"/>
           </p:cNvSpPr>
@@ -4388,13 +4388,13 @@
             </a:lvl1pPr>
           </a:lstStyle>
           <a:p>
-            <a:endParaRPr lang="ru-RU"/>
-          </a:p>
-        </p:txBody>
-      </p:sp>
-      <p:sp>
-        <p:nvSpPr>
-          <p:cNvPr id="18" name="Номер слайда 6"/>
+            <a:endParaRPr lang="en-US"/>
+          </a:p>
+        </p:txBody>
+      </p:sp>
+      <p:sp>
+        <p:nvSpPr>
+          <p:cNvPr id="18" name="Slide Number Placeholder 6"/>
           <p:cNvSpPr>
             <a:spLocks noGrp="1"/>
           </p:cNvSpPr>
@@ -4424,11 +4424,11 @@
           </a:lstStyle>
           <a:p>
             <a:fld id="{6B5AA3AA-5EA9-4976-BF6C-9891F6110747}" type="slidenum">
-              <a:rPr lang="ru-RU" smtClean="0"/>
+              <a:rPr lang="en-US" smtClean="0"/>
               <a:pPr/>
               <a:t>‹#›</a:t>
             </a:fld>
-            <a:endParaRPr lang="ru-RU"/>
+            <a:endParaRPr lang="en-US"/>
           </a:p>
         </p:txBody>
       </p:sp>
@@ -4777,7 +4777,7 @@
       </p:grpSpPr>
       <p:sp>
         <p:nvSpPr>
-          <p:cNvPr id="6" name="Подзаголовок 5"/>
+          <p:cNvPr id="6" name="Subtitle 5"/>
           <p:cNvSpPr>
             <a:spLocks noGrp="1"/>
           </p:cNvSpPr>
@@ -4790,13 +4790,13 @@
           <a:bodyPr/>
           <a:lstStyle/>
           <a:p>
-            <a:endParaRPr lang="ru-RU"/>
-          </a:p>
-        </p:txBody>
-      </p:sp>
-      <p:sp>
-        <p:nvSpPr>
-          <p:cNvPr id="5" name="Заголовок 4"/>
+            <a:endParaRPr lang="en-US"/>
+          </a:p>
+        </p:txBody>
+      </p:sp>
+      <p:sp>
+        <p:nvSpPr>
+          <p:cNvPr id="5" name="Title 4"/>
           <p:cNvSpPr>
             <a:spLocks noGrp="1"/>
           </p:cNvSpPr>
@@ -4809,7 +4809,7 @@
           <a:bodyPr/>
           <a:lstStyle/>
           <a:p>
-            <a:endParaRPr lang="ru-RU" dirty="0"/>
+            <a:endParaRPr lang="en-US" dirty="0"/>
           </a:p>
         </p:txBody>
       </p:sp>
@@ -4874,7 +4874,7 @@
         <a:srgbClr val="B2B2B2"/>
       </a:folHlink>
     </a:clrScheme>
-    <a:fontScheme name="Классическая">
+    <a:fontScheme name="Classic">
       <a:majorFont>
         <a:latin typeface="Arial"/>
         <a:ea typeface=""/>
@@ -4946,7 +4946,7 @@
         <a:font script="Geor" typeface="Sylfaen"/>
       </a:minorFont>
     </a:fontScheme>
-    <a:fmtScheme name="Стандартная">
+    <a:fmtScheme name="Standard">
       <a:fillStyleLst>
         <a:solidFill>
           <a:schemeClr val="phClr"/>
